--- a/201311/LYaHfGG2.pptx
+++ b/201311/LYaHfGG2.pptx
@@ -25,6 +25,9 @@
     <p:sldId id="275" r:id="rId19"/>
     <p:sldId id="264" r:id="rId20"/>
     <p:sldId id="266" r:id="rId21"/>
+    <p:sldId id="276" r:id="rId22"/>
+    <p:sldId id="277" r:id="rId23"/>
+    <p:sldId id="278" r:id="rId24"/>
   </p:sldIdLst>
   <p:sldSz cx="9144000" cy="6858000" type="screen4x3"/>
   <p:notesSz cx="6858000" cy="9144000"/>
@@ -5042,11 +5045,7 @@
           <a:p>
             <a:r>
               <a:rPr lang="ja-JP" altLang="en-US" dirty="0" smtClean="0"/>
-              <a:t>パターンマッチ</a:t>
-            </a:r>
-            <a:r>
-              <a:rPr lang="ja-JP" altLang="en-US" dirty="0" smtClean="0"/>
-              <a:t>はタプルでも使えます。</a:t>
+              <a:t>パターンマッチはタプルでも使えます。</a:t>
             </a:r>
             <a:endParaRPr lang="en-US" altLang="ja-JP" dirty="0" smtClean="0"/>
           </a:p>
@@ -5085,11 +5084,7 @@
             </a:r>
             <a:r>
               <a:rPr lang="ja-JP" altLang="en-US" dirty="0" smtClean="0"/>
-              <a:t>ない気がする</a:t>
-            </a:r>
-            <a:r>
-              <a:rPr lang="ja-JP" altLang="en-US" dirty="0" smtClean="0"/>
-              <a:t>）</a:t>
+              <a:t>ない気がする）</a:t>
             </a:r>
             <a:endParaRPr lang="en-US" altLang="ja-JP" dirty="0" smtClean="0"/>
           </a:p>
@@ -5177,55 +5172,7 @@
                   <a:schemeClr val="tx1"/>
                 </a:solidFill>
               </a:rPr>
-              <a:t> :: (Double, </a:t>
-            </a:r>
-            <a:r>
-              <a:rPr lang="en-US" altLang="ja-JP" dirty="0" smtClean="0">
-                <a:solidFill>
-                  <a:schemeClr val="tx1"/>
-                </a:solidFill>
-              </a:rPr>
-              <a:t>Double</a:t>
-            </a:r>
-            <a:r>
-              <a:rPr lang="en-US" altLang="ja-JP" dirty="0" smtClean="0">
-                <a:solidFill>
-                  <a:schemeClr val="tx1"/>
-                </a:solidFill>
-              </a:rPr>
-              <a:t>) -&gt; </a:t>
-            </a:r>
-            <a:r>
-              <a:rPr lang="en-US" altLang="ja-JP" dirty="0" smtClean="0">
-                <a:solidFill>
-                  <a:schemeClr val="tx1"/>
-                </a:solidFill>
-              </a:rPr>
-              <a:t>(Double, Double</a:t>
-            </a:r>
-            <a:r>
-              <a:rPr lang="en-US" altLang="ja-JP" dirty="0" smtClean="0">
-                <a:solidFill>
-                  <a:schemeClr val="tx1"/>
-                </a:solidFill>
-              </a:rPr>
-              <a:t>) -&gt; </a:t>
-            </a:r>
-            <a:r>
-              <a:rPr lang="en-US" altLang="ja-JP" dirty="0" smtClean="0">
-                <a:solidFill>
-                  <a:schemeClr val="tx1"/>
-                </a:solidFill>
-              </a:rPr>
-              <a:t>(Double, Double</a:t>
-            </a:r>
-            <a:r>
-              <a:rPr lang="en-US" altLang="ja-JP" dirty="0" smtClean="0">
-                <a:solidFill>
-                  <a:schemeClr val="tx1"/>
-                </a:solidFill>
-              </a:rPr>
-              <a:t>)</a:t>
+              <a:t> :: (Double, Double) -&gt; (Double, Double) -&gt; (Double, Double)</a:t>
             </a:r>
           </a:p>
           <a:p>
@@ -5243,23 +5190,7 @@
                   <a:schemeClr val="tx1"/>
                 </a:solidFill>
               </a:rPr>
-              <a:t> (x1,  y1) </a:t>
-            </a:r>
-            <a:r>
-              <a:rPr lang="en-US" altLang="ja-JP" dirty="0" smtClean="0">
-                <a:solidFill>
-                  <a:schemeClr val="tx1"/>
-                </a:solidFill>
-              </a:rPr>
-              <a:t>(</a:t>
-            </a:r>
-            <a:r>
-              <a:rPr lang="en-US" altLang="ja-JP" dirty="0" smtClean="0">
-                <a:solidFill>
-                  <a:schemeClr val="tx1"/>
-                </a:solidFill>
-              </a:rPr>
-              <a:t>x2,  y2) = (x1 + x2, y1 + y2)</a:t>
+              <a:t> (x1,  y1) (x2,  y2) = (x1 + x2, y1 + y2)</a:t>
             </a:r>
           </a:p>
           <a:p>
@@ -5279,11 +5210,6 @@
               </a:rPr>
               <a:t> (2, 3) (5, 9)</a:t>
             </a:r>
-            <a:endParaRPr lang="en-US" altLang="ja-JP" dirty="0" smtClean="0">
-              <a:solidFill>
-                <a:schemeClr val="tx1"/>
-              </a:solidFill>
-            </a:endParaRPr>
           </a:p>
         </p:txBody>
       </p:sp>
@@ -5342,29 +5268,8 @@
                   <a:schemeClr val="tx1"/>
                 </a:solidFill>
               </a:rPr>
-              <a:t> </a:t>
-            </a:r>
-            <a:r>
-              <a:rPr lang="en-US" altLang="ja-JP" dirty="0" smtClean="0">
-                <a:solidFill>
-                  <a:schemeClr val="tx1"/>
-                </a:solidFill>
-              </a:rPr>
-              <a:t>:: </a:t>
-            </a:r>
-            <a:r>
-              <a:rPr lang="en-US" altLang="ja-JP" dirty="0" smtClean="0">
-                <a:solidFill>
-                  <a:schemeClr val="tx1"/>
-                </a:solidFill>
-              </a:rPr>
-              <a:t>(Double, Double) -&gt; (Double, Double) -&gt; (Double, Double) </a:t>
-            </a:r>
-            <a:endParaRPr lang="en-US" altLang="ja-JP" dirty="0" smtClean="0">
-              <a:solidFill>
-                <a:schemeClr val="tx1"/>
-              </a:solidFill>
-            </a:endParaRPr>
+              <a:t> :: (Double, Double) -&gt; (Double, Double) -&gt; (Double, Double) </a:t>
+            </a:r>
           </a:p>
           <a:p>
             <a:r>
@@ -5605,15 +5510,7 @@
                   <a:schemeClr val="tx1"/>
                 </a:solidFill>
               </a:rPr>
-              <a:t>l</a:t>
-            </a:r>
-            <a:r>
-              <a:rPr lang="en-US" altLang="ja-JP" dirty="0" smtClean="0">
-                <a:solidFill>
-                  <a:schemeClr val="tx1"/>
-                </a:solidFill>
-              </a:rPr>
-              <a:t>et </a:t>
+              <a:t>let </a:t>
             </a:r>
             <a:r>
               <a:rPr lang="en-US" altLang="ja-JP" dirty="0" err="1" smtClean="0">
@@ -5699,11 +5596,6 @@
               </a:rPr>
               <a:t>]</a:t>
             </a:r>
-            <a:endParaRPr lang="en-US" altLang="ja-JP" dirty="0" smtClean="0">
-              <a:solidFill>
-                <a:schemeClr val="tx1"/>
-              </a:solidFill>
-            </a:endParaRPr>
           </a:p>
         </p:txBody>
       </p:sp>
@@ -5764,117 +5656,37 @@
                   <a:schemeClr val="tx1"/>
                 </a:solidFill>
               </a:rPr>
-              <a:t>t</a:t>
-            </a:r>
-            <a:r>
-              <a:rPr lang="en-US" altLang="ja-JP" dirty="0" smtClean="0">
-                <a:solidFill>
-                  <a:schemeClr val="tx1"/>
-                </a:solidFill>
-              </a:rPr>
-              <a:t>ell [] = “empty”</a:t>
-            </a:r>
-          </a:p>
-          <a:p>
-            <a:r>
-              <a:rPr lang="en-US" altLang="ja-JP" dirty="0" smtClean="0">
-                <a:solidFill>
-                  <a:schemeClr val="tx1"/>
-                </a:solidFill>
-              </a:rPr>
-              <a:t>t</a:t>
-            </a:r>
-            <a:r>
-              <a:rPr lang="en-US" altLang="ja-JP" dirty="0" smtClean="0">
-                <a:solidFill>
-                  <a:schemeClr val="tx1"/>
-                </a:solidFill>
-              </a:rPr>
-              <a:t>ell (x:[]) = “size = 1. element = ” ++ show x</a:t>
-            </a:r>
-          </a:p>
-          <a:p>
-            <a:r>
-              <a:rPr lang="en-US" altLang="ja-JP" dirty="0" smtClean="0">
-                <a:solidFill>
-                  <a:schemeClr val="tx1"/>
-                </a:solidFill>
-              </a:rPr>
-              <a:t>t</a:t>
-            </a:r>
-            <a:r>
-              <a:rPr lang="en-US" altLang="ja-JP" dirty="0" smtClean="0">
-                <a:solidFill>
-                  <a:schemeClr val="tx1"/>
-                </a:solidFill>
-              </a:rPr>
-              <a:t>ell (x:y:[]) = “size = 2. elements </a:t>
-            </a:r>
-            <a:r>
-              <a:rPr lang="en-US" altLang="ja-JP" dirty="0" smtClean="0">
-                <a:solidFill>
-                  <a:schemeClr val="tx1"/>
-                </a:solidFill>
-              </a:rPr>
-              <a:t>= </a:t>
-            </a:r>
-            <a:r>
-              <a:rPr lang="en-US" altLang="ja-JP" dirty="0" smtClean="0">
-                <a:solidFill>
-                  <a:schemeClr val="tx1"/>
-                </a:solidFill>
-              </a:rPr>
-              <a:t>”</a:t>
-            </a:r>
-            <a:r>
-              <a:rPr lang="en-US" altLang="ja-JP" dirty="0" smtClean="0">
-                <a:solidFill>
-                  <a:schemeClr val="tx1"/>
-                </a:solidFill>
-              </a:rPr>
-              <a:t> ++ show </a:t>
-            </a:r>
-            <a:r>
-              <a:rPr lang="en-US" altLang="ja-JP" dirty="0" smtClean="0">
-                <a:solidFill>
-                  <a:schemeClr val="tx1"/>
-                </a:solidFill>
-              </a:rPr>
-              <a:t>x ++ “ and ” </a:t>
-            </a:r>
-            <a:r>
-              <a:rPr lang="en-US" altLang="ja-JP" dirty="0" smtClean="0">
-                <a:solidFill>
-                  <a:schemeClr val="tx1"/>
-                </a:solidFill>
-              </a:rPr>
-              <a:t>++ show </a:t>
-            </a:r>
-            <a:r>
-              <a:rPr lang="en-US" altLang="ja-JP" dirty="0" smtClean="0">
-                <a:solidFill>
-                  <a:schemeClr val="tx1"/>
-                </a:solidFill>
-              </a:rPr>
-              <a:t>y</a:t>
-            </a:r>
-          </a:p>
-          <a:p>
-            <a:r>
-              <a:rPr lang="en-US" altLang="ja-JP" dirty="0" smtClean="0">
-                <a:solidFill>
-                  <a:schemeClr val="tx1"/>
-                </a:solidFill>
-              </a:rPr>
-              <a:t>t</a:t>
-            </a:r>
-            <a:r>
-              <a:rPr lang="en-US" altLang="ja-JP" dirty="0" smtClean="0">
-                <a:solidFill>
-                  <a:schemeClr val="tx1"/>
-                </a:solidFill>
-              </a:rPr>
-              <a:t>ell (x:y:_) = “This list is long!”</a:t>
+              <a:t>tell [] = “empty”</a:t>
+            </a:r>
+          </a:p>
+          <a:p>
+            <a:r>
+              <a:rPr lang="en-US" altLang="ja-JP" dirty="0" smtClean="0">
+                <a:solidFill>
+                  <a:schemeClr val="tx1"/>
+                </a:solidFill>
+              </a:rPr>
+              <a:t>tell (x:[]) = “size = 1. element = ” ++ show x</a:t>
+            </a:r>
+          </a:p>
+          <a:p>
+            <a:r>
+              <a:rPr lang="en-US" altLang="ja-JP" dirty="0" smtClean="0">
+                <a:solidFill>
+                  <a:schemeClr val="tx1"/>
+                </a:solidFill>
+              </a:rPr>
+              <a:t>tell (x:y:[]) = “size = 2. elements = ” ++ show x ++ “ and ” ++ show y</a:t>
+            </a:r>
+          </a:p>
+          <a:p>
+            <a:r>
+              <a:rPr lang="en-US" altLang="ja-JP" dirty="0" smtClean="0">
+                <a:solidFill>
+                  <a:schemeClr val="tx1"/>
+                </a:solidFill>
+              </a:rPr>
+              <a:t>tell (x:y:_) = “This list is long!”</a:t>
             </a:r>
           </a:p>
         </p:txBody>
@@ -5921,11 +5733,7 @@
           <a:p>
             <a:r>
               <a:rPr lang="ja-JP" altLang="en-US" dirty="0" smtClean="0"/>
-              <a:t>値</a:t>
-            </a:r>
-            <a:r>
-              <a:rPr lang="ja-JP" altLang="en-US" dirty="0" smtClean="0"/>
-              <a:t>をパターンに分解しつつ、パターンマッチの対象になった値自体も参照したいときに使います。</a:t>
+              <a:t>値をパターンに分解しつつ、パターンマッチの対象になった値自体も参照したいときに使います。</a:t>
             </a:r>
             <a:endParaRPr lang="en-US" altLang="ja-JP" dirty="0" smtClean="0"/>
           </a:p>
@@ -6074,15 +5882,7 @@
                   <a:schemeClr val="tx1"/>
                 </a:solidFill>
               </a:rPr>
-              <a:t> </a:t>
-            </a:r>
-            <a:r>
-              <a:rPr lang="en-US" altLang="ja-JP" dirty="0" smtClean="0">
-                <a:solidFill>
-                  <a:schemeClr val="tx1"/>
-                </a:solidFill>
-              </a:rPr>
-              <a:t>:: String -&gt; String</a:t>
+              <a:t> :: String -&gt; String</a:t>
             </a:r>
           </a:p>
           <a:p>
@@ -6092,40 +5892,24 @@
                   <a:schemeClr val="tx1"/>
                 </a:solidFill>
               </a:rPr>
-              <a:t>two</a:t>
-            </a:r>
+              <a:t>twoLetter</a:t>
+            </a:r>
+            <a:r>
+              <a:rPr lang="en-US" altLang="ja-JP" dirty="0" smtClean="0">
+                <a:solidFill>
+                  <a:schemeClr val="tx1"/>
+                </a:solidFill>
+              </a:rPr>
+              <a:t> “” = “Empty…”</a:t>
+            </a:r>
+          </a:p>
+          <a:p>
             <a:r>
               <a:rPr lang="en-US" altLang="ja-JP" dirty="0" err="1" smtClean="0">
                 <a:solidFill>
                   <a:schemeClr val="tx1"/>
                 </a:solidFill>
               </a:rPr>
-              <a:t>Letter</a:t>
-            </a:r>
-            <a:r>
-              <a:rPr lang="en-US" altLang="ja-JP" dirty="0" smtClean="0">
-                <a:solidFill>
-                  <a:schemeClr val="tx1"/>
-                </a:solidFill>
-              </a:rPr>
-              <a:t> </a:t>
-            </a:r>
-            <a:r>
-              <a:rPr lang="en-US" altLang="ja-JP" dirty="0" smtClean="0">
-                <a:solidFill>
-                  <a:schemeClr val="tx1"/>
-                </a:solidFill>
-              </a:rPr>
-              <a:t>“” = “Empty…”</a:t>
-            </a:r>
-          </a:p>
-          <a:p>
-            <a:r>
-              <a:rPr lang="en-US" altLang="ja-JP" dirty="0" err="1" smtClean="0">
-                <a:solidFill>
-                  <a:schemeClr val="tx1"/>
-                </a:solidFill>
-              </a:rPr>
               <a:t>twoLetter</a:t>
             </a:r>
             <a:r>
@@ -6134,109 +5918,8 @@
                   <a:schemeClr val="tx1"/>
                 </a:solidFill>
               </a:rPr>
-              <a:t> </a:t>
-            </a:r>
-            <a:r>
-              <a:rPr lang="en-US" altLang="ja-JP" dirty="0" smtClean="0">
-                <a:solidFill>
-                  <a:schemeClr val="tx1"/>
-                </a:solidFill>
-              </a:rPr>
-              <a:t>all@(</a:t>
-            </a:r>
-            <a:r>
-              <a:rPr lang="en-US" altLang="ja-JP" dirty="0" smtClean="0">
-                <a:solidFill>
-                  <a:schemeClr val="tx1"/>
-                </a:solidFill>
-              </a:rPr>
-              <a:t>x:y:xs</a:t>
-            </a:r>
-            <a:r>
-              <a:rPr lang="en-US" altLang="ja-JP" dirty="0" smtClean="0">
-                <a:solidFill>
-                  <a:schemeClr val="tx1"/>
-                </a:solidFill>
-              </a:rPr>
-              <a:t>) = “first letter </a:t>
-            </a:r>
-            <a:r>
-              <a:rPr lang="en-US" altLang="ja-JP" dirty="0" smtClean="0">
-                <a:solidFill>
-                  <a:schemeClr val="tx1"/>
-                </a:solidFill>
-              </a:rPr>
-              <a:t>is ” </a:t>
-            </a:r>
-            <a:r>
-              <a:rPr lang="en-US" altLang="ja-JP" dirty="0" smtClean="0">
-                <a:solidFill>
-                  <a:schemeClr val="tx1"/>
-                </a:solidFill>
-              </a:rPr>
-              <a:t>++ [x]</a:t>
-            </a:r>
-            <a:r>
-              <a:rPr lang="en-US" altLang="ja-JP" dirty="0" smtClean="0">
-                <a:solidFill>
-                  <a:schemeClr val="tx1"/>
-                </a:solidFill>
-              </a:rPr>
-              <a:t> </a:t>
-            </a:r>
-            <a:r>
-              <a:rPr lang="en-US" altLang="ja-JP" dirty="0" smtClean="0">
-                <a:solidFill>
-                  <a:schemeClr val="tx1"/>
-                </a:solidFill>
-              </a:rPr>
-              <a:t>++ </a:t>
-            </a:r>
-            <a:r>
-              <a:rPr lang="en-US" altLang="ja-JP" dirty="0" smtClean="0">
-                <a:solidFill>
-                  <a:schemeClr val="tx1"/>
-                </a:solidFill>
-              </a:rPr>
-              <a:t>“, second </a:t>
-            </a:r>
-            <a:r>
-              <a:rPr lang="en-US" altLang="ja-JP" dirty="0" smtClean="0">
-                <a:solidFill>
-                  <a:schemeClr val="tx1"/>
-                </a:solidFill>
-              </a:rPr>
-              <a:t>letter</a:t>
-            </a:r>
-            <a:r>
-              <a:rPr lang="en-US" altLang="ja-JP" dirty="0" smtClean="0">
-                <a:solidFill>
-                  <a:schemeClr val="tx1"/>
-                </a:solidFill>
-              </a:rPr>
-              <a:t> is </a:t>
-            </a:r>
-            <a:r>
-              <a:rPr lang="en-US" altLang="ja-JP" dirty="0" smtClean="0">
-                <a:solidFill>
-                  <a:schemeClr val="tx1"/>
-                </a:solidFill>
-              </a:rPr>
-              <a:t>” </a:t>
-            </a:r>
-            <a:r>
-              <a:rPr lang="en-US" altLang="ja-JP" dirty="0" smtClean="0">
-                <a:solidFill>
-                  <a:schemeClr val="tx1"/>
-                </a:solidFill>
-              </a:rPr>
-              <a:t>++[y]</a:t>
-            </a:r>
-            <a:endParaRPr lang="en-US" altLang="ja-JP" dirty="0" smtClean="0">
-              <a:solidFill>
-                <a:schemeClr val="tx1"/>
-              </a:solidFill>
-            </a:endParaRPr>
+              <a:t> all@(x:y:xs) = “first letter is ” ++ [x] ++ “, second letter is ” ++[y]</a:t>
+            </a:r>
           </a:p>
         </p:txBody>
       </p:sp>
@@ -6299,11 +5982,7 @@
           <a:p>
             <a:r>
               <a:rPr lang="ja-JP" altLang="en-US" dirty="0" smtClean="0"/>
-              <a:t>引数</a:t>
-            </a:r>
-            <a:r>
-              <a:rPr lang="ja-JP" altLang="en-US" dirty="0" smtClean="0"/>
-              <a:t>の構造で場合分け</a:t>
+              <a:t>引数の構造で場合分け</a:t>
             </a:r>
             <a:endParaRPr lang="en-US" altLang="ja-JP" dirty="0" smtClean="0"/>
           </a:p>
@@ -6549,11 +6228,7 @@
             </a:pPr>
             <a:r>
               <a:rPr lang="ja-JP" altLang="en-US" sz="2400" dirty="0" smtClean="0"/>
-              <a:t>なに</a:t>
-            </a:r>
-            <a:r>
-              <a:rPr lang="ja-JP" altLang="en-US" sz="2400" dirty="0" smtClean="0"/>
-              <a:t>やらインデントがとっても大事だとのこと。</a:t>
+              <a:t>なにやらインデントがとっても大事だとのこと。</a:t>
             </a:r>
             <a:endParaRPr kumimoji="1" lang="en-US" altLang="ja-JP" sz="2400" b="0" i="0" u="none" strike="noStrike" kern="1200" cap="none" spc="0" normalizeH="0" baseline="0" noProof="0" dirty="0" smtClean="0">
               <a:ln>
@@ -6616,11 +6291,7 @@
           <a:p>
             <a:r>
               <a:rPr lang="ja-JP" altLang="en-US" dirty="0" smtClean="0"/>
-              <a:t>というわけ</a:t>
-            </a:r>
-            <a:r>
-              <a:rPr lang="ja-JP" altLang="en-US" dirty="0" smtClean="0"/>
-              <a:t>で</a:t>
+              <a:t>というわけで</a:t>
             </a:r>
             <a:r>
               <a:rPr lang="en-US" altLang="ja-JP" dirty="0" smtClean="0"/>
@@ -6803,15 +6474,7 @@
                   <a:schemeClr val="tx1"/>
                 </a:solidFill>
               </a:rPr>
-              <a:t> </a:t>
-            </a:r>
-            <a:r>
-              <a:rPr lang="en-US" altLang="ja-JP" dirty="0" smtClean="0">
-                <a:solidFill>
-                  <a:schemeClr val="tx1"/>
-                </a:solidFill>
-              </a:rPr>
-              <a:t>   | </a:t>
+              <a:t>    | </a:t>
             </a:r>
             <a:r>
               <a:rPr lang="en-US" altLang="ja-JP" dirty="0" err="1" smtClean="0">
@@ -6853,15 +6516,7 @@
                   <a:schemeClr val="tx1"/>
                 </a:solidFill>
               </a:rPr>
-              <a:t> </a:t>
-            </a:r>
-            <a:r>
-              <a:rPr lang="en-US" altLang="ja-JP" dirty="0" smtClean="0">
-                <a:solidFill>
-                  <a:schemeClr val="tx1"/>
-                </a:solidFill>
-              </a:rPr>
-              <a:t>   | </a:t>
+              <a:t>    | </a:t>
             </a:r>
             <a:r>
               <a:rPr lang="en-US" altLang="ja-JP" dirty="0" err="1" smtClean="0">
@@ -6903,15 +6558,7 @@
                   <a:schemeClr val="tx1"/>
                 </a:solidFill>
               </a:rPr>
-              <a:t> </a:t>
-            </a:r>
-            <a:r>
-              <a:rPr lang="en-US" altLang="ja-JP" dirty="0" smtClean="0">
-                <a:solidFill>
-                  <a:schemeClr val="tx1"/>
-                </a:solidFill>
-              </a:rPr>
-              <a:t>   | otherwise = “</a:t>
+              <a:t>    | otherwise = “</a:t>
             </a:r>
             <a:r>
               <a:rPr lang="ja-JP" altLang="en-US" dirty="0" smtClean="0">
@@ -6929,11 +6576,6 @@
               </a:rPr>
               <a:t>”</a:t>
             </a:r>
-            <a:endParaRPr lang="en-US" altLang="ja-JP" dirty="0" smtClean="0">
-              <a:solidFill>
-                <a:schemeClr val="tx1"/>
-              </a:solidFill>
-            </a:endParaRPr>
           </a:p>
         </p:txBody>
       </p:sp>
@@ -7015,11 +6657,7 @@
           <a:p>
             <a:r>
               <a:rPr lang="ja-JP" altLang="en-US" dirty="0" smtClean="0"/>
-              <a:t>インデント</a:t>
-            </a:r>
-            <a:r>
-              <a:rPr lang="ja-JP" altLang="en-US" dirty="0" smtClean="0"/>
-              <a:t>をそろえればブロックはきちんと判断してくれる。</a:t>
+              <a:t>インデントをそろえればブロックはきちんと判断してくれる。</a:t>
             </a:r>
             <a:endParaRPr lang="en-US" altLang="ja-JP" dirty="0" smtClean="0"/>
           </a:p>
@@ -7125,21 +6763,8 @@
                   <a:schemeClr val="tx1"/>
                 </a:solidFill>
               </a:rPr>
-              <a:t> </a:t>
-            </a:r>
-            <a:r>
-              <a:rPr lang="en-US" altLang="ja-JP" dirty="0" smtClean="0">
-                <a:solidFill>
-                  <a:schemeClr val="tx1"/>
-                </a:solidFill>
-              </a:rPr>
-              <a:t>weight height</a:t>
-            </a:r>
-            <a:endParaRPr lang="en-US" altLang="ja-JP" dirty="0" smtClean="0">
-              <a:solidFill>
-                <a:schemeClr val="tx1"/>
-              </a:solidFill>
-            </a:endParaRPr>
+              <a:t> weight height</a:t>
+            </a:r>
           </a:p>
           <a:p>
             <a:r>
@@ -7180,15 +6805,7 @@
                   <a:schemeClr val="tx1"/>
                 </a:solidFill>
               </a:rPr>
-              <a:t>” </a:t>
-            </a:r>
-            <a:r>
-              <a:rPr lang="en-US" altLang="ja-JP" dirty="0" smtClean="0">
-                <a:solidFill>
-                  <a:schemeClr val="tx1"/>
-                </a:solidFill>
-              </a:rPr>
-              <a:t>++ </a:t>
+              <a:t>” ++ </a:t>
             </a:r>
             <a:r>
               <a:rPr lang="en-US" altLang="ja-JP" dirty="0" err="1" smtClean="0">
@@ -7230,28 +6847,15 @@
               </a:rPr>
               <a:t>”</a:t>
             </a:r>
-            <a:endParaRPr lang="en-US" altLang="ja-JP" dirty="0" smtClean="0">
-              <a:solidFill>
-                <a:schemeClr val="tx1"/>
-              </a:solidFill>
-            </a:endParaRPr>
-          </a:p>
-          <a:p>
-            <a:r>
-              <a:rPr lang="en-US" altLang="ja-JP" dirty="0" smtClean="0">
-                <a:solidFill>
-                  <a:schemeClr val="tx1"/>
-                </a:solidFill>
-              </a:rPr>
-              <a:t> </a:t>
-            </a:r>
-            <a:r>
-              <a:rPr lang="en-US" altLang="ja-JP" dirty="0" smtClean="0">
-                <a:solidFill>
-                  <a:schemeClr val="tx1"/>
-                </a:solidFill>
-              </a:rPr>
-              <a:t>   | </a:t>
+          </a:p>
+          <a:p>
+            <a:r>
+              <a:rPr lang="en-US" altLang="ja-JP" dirty="0" smtClean="0">
+                <a:solidFill>
+                  <a:schemeClr val="tx1"/>
+                </a:solidFill>
+              </a:rPr>
+              <a:t>    | </a:t>
             </a:r>
             <a:r>
               <a:rPr lang="en-US" altLang="ja-JP" dirty="0" err="1" smtClean="0">
@@ -7293,15 +6897,7 @@
                   <a:schemeClr val="tx1"/>
                 </a:solidFill>
               </a:rPr>
-              <a:t> </a:t>
-            </a:r>
-            <a:r>
-              <a:rPr lang="en-US" altLang="ja-JP" dirty="0" smtClean="0">
-                <a:solidFill>
-                  <a:schemeClr val="tx1"/>
-                </a:solidFill>
-              </a:rPr>
-              <a:t>   | </a:t>
+              <a:t>    | </a:t>
             </a:r>
             <a:r>
               <a:rPr lang="en-US" altLang="ja-JP" dirty="0" err="1" smtClean="0">
@@ -7375,28 +6971,15 @@
               </a:rPr>
               <a:t>”</a:t>
             </a:r>
-            <a:endParaRPr lang="en-US" altLang="ja-JP" dirty="0" smtClean="0">
-              <a:solidFill>
-                <a:schemeClr val="tx1"/>
-              </a:solidFill>
-            </a:endParaRPr>
-          </a:p>
-          <a:p>
-            <a:r>
-              <a:rPr lang="en-US" altLang="ja-JP" dirty="0" smtClean="0">
-                <a:solidFill>
-                  <a:schemeClr val="tx1"/>
-                </a:solidFill>
-              </a:rPr>
-              <a:t> </a:t>
-            </a:r>
-            <a:r>
-              <a:rPr lang="en-US" altLang="ja-JP" dirty="0" smtClean="0">
-                <a:solidFill>
-                  <a:schemeClr val="tx1"/>
-                </a:solidFill>
-              </a:rPr>
-              <a:t>   | otherwise = “</a:t>
+          </a:p>
+          <a:p>
+            <a:r>
+              <a:rPr lang="en-US" altLang="ja-JP" dirty="0" smtClean="0">
+                <a:solidFill>
+                  <a:schemeClr val="tx1"/>
+                </a:solidFill>
+              </a:rPr>
+              <a:t>    | otherwise = “</a:t>
             </a:r>
             <a:r>
               <a:rPr lang="ja-JP" altLang="en-US" dirty="0" smtClean="0">
@@ -7422,15 +7005,7 @@
                   <a:schemeClr val="tx1"/>
                 </a:solidFill>
               </a:rPr>
-              <a:t> </a:t>
-            </a:r>
-            <a:r>
-              <a:rPr lang="en-US" altLang="ja-JP" dirty="0" smtClean="0">
-                <a:solidFill>
-                  <a:schemeClr val="tx1"/>
-                </a:solidFill>
-              </a:rPr>
-              <a:t>   where </a:t>
+              <a:t>    where </a:t>
             </a:r>
             <a:r>
               <a:rPr lang="en-US" altLang="ja-JP" dirty="0" err="1" smtClean="0">
@@ -7472,15 +7047,7 @@
                   <a:schemeClr val="tx1"/>
                 </a:solidFill>
               </a:rPr>
-              <a:t> </a:t>
-            </a:r>
-            <a:r>
-              <a:rPr lang="en-US" altLang="ja-JP" dirty="0" smtClean="0">
-                <a:solidFill>
-                  <a:schemeClr val="tx1"/>
-                </a:solidFill>
-              </a:rPr>
-              <a:t>             </a:t>
+              <a:t>              </a:t>
             </a:r>
             <a:r>
               <a:rPr lang="en-US" altLang="ja-JP" dirty="0" err="1" smtClean="0">
@@ -7514,11 +7081,6 @@
               </a:rPr>
               <a:t> ^ 2</a:t>
             </a:r>
-            <a:endParaRPr lang="en-US" altLang="ja-JP" dirty="0" smtClean="0">
-              <a:solidFill>
-                <a:schemeClr val="tx1"/>
-              </a:solidFill>
-            </a:endParaRPr>
           </a:p>
         </p:txBody>
       </p:sp>
@@ -7577,11 +7139,7 @@
           <a:p>
             <a:r>
               <a:rPr lang="en-US" altLang="ja-JP" dirty="0" smtClean="0"/>
-              <a:t>w</a:t>
-            </a:r>
-            <a:r>
-              <a:rPr lang="en-US" altLang="ja-JP" dirty="0" smtClean="0"/>
-              <a:t>here</a:t>
+              <a:t>where</a:t>
             </a:r>
             <a:r>
               <a:rPr lang="ja-JP" altLang="en-US" dirty="0" smtClean="0"/>
@@ -7615,11 +7173,7 @@
           <a:p>
             <a:r>
               <a:rPr lang="en-US" altLang="ja-JP" dirty="0" smtClean="0"/>
-              <a:t>l</a:t>
-            </a:r>
-            <a:r>
-              <a:rPr lang="en-US" altLang="ja-JP" dirty="0" smtClean="0"/>
-              <a:t>et </a:t>
+              <a:t>let </a:t>
             </a:r>
             <a:r>
               <a:rPr lang="en-US" altLang="ja-JP" i="1" dirty="0" smtClean="0"/>
@@ -7937,11 +7491,6 @@
               </a:rPr>
               <a:t>&gt;boot  2 3</a:t>
             </a:r>
-            <a:endParaRPr lang="en-US" altLang="ja-JP" dirty="0" smtClean="0">
-              <a:solidFill>
-                <a:schemeClr val="tx1"/>
-              </a:solidFill>
-            </a:endParaRPr>
           </a:p>
         </p:txBody>
       </p:sp>
@@ -8000,39 +7549,7 @@
                   <a:schemeClr val="tx1"/>
                 </a:solidFill>
               </a:rPr>
-              <a:t> :: [(Double, </a:t>
-            </a:r>
-            <a:r>
-              <a:rPr lang="en-US" altLang="ja-JP" dirty="0" smtClean="0">
-                <a:solidFill>
-                  <a:schemeClr val="tx1"/>
-                </a:solidFill>
-              </a:rPr>
-              <a:t>Double</a:t>
-            </a:r>
-            <a:r>
-              <a:rPr lang="en-US" altLang="ja-JP" dirty="0" smtClean="0">
-                <a:solidFill>
-                  <a:schemeClr val="tx1"/>
-                </a:solidFill>
-              </a:rPr>
-              <a:t>)] -&gt; [</a:t>
-            </a:r>
-            <a:r>
-              <a:rPr lang="en-US" altLang="ja-JP" dirty="0" smtClean="0">
-                <a:solidFill>
-                  <a:schemeClr val="tx1"/>
-                </a:solidFill>
-              </a:rPr>
-              <a:t>Double</a:t>
-            </a:r>
-            <a:r>
-              <a:rPr lang="en-US" altLang="ja-JP" dirty="0" smtClean="0">
-                <a:solidFill>
-                  <a:schemeClr val="tx1"/>
-                </a:solidFill>
-              </a:rPr>
-              <a:t>]</a:t>
+              <a:t> :: [(Double, Double)] -&gt; [Double]</a:t>
             </a:r>
           </a:p>
           <a:p>
@@ -8178,11 +7695,7 @@
           <a:p>
             <a:r>
               <a:rPr lang="ja-JP" altLang="en-US" dirty="0" smtClean="0"/>
-              <a:t>要する</a:t>
-            </a:r>
-            <a:r>
-              <a:rPr lang="ja-JP" altLang="en-US" dirty="0" smtClean="0"/>
-              <a:t>にコード中のどこでもパターンマッチが使える構文。</a:t>
+              <a:t>要するにコード中のどこでもパターンマッチが使える構文。</a:t>
             </a:r>
             <a:endParaRPr lang="en-US" altLang="ja-JP" dirty="0" smtClean="0"/>
           </a:p>
@@ -8257,7 +7770,6 @@
               <a:rPr lang="en-US" altLang="ja-JP" i="1" dirty="0" smtClean="0"/>
               <a:t>result</a:t>
             </a:r>
-            <a:endParaRPr lang="en-US" altLang="ja-JP" i="1" dirty="0" smtClean="0"/>
           </a:p>
         </p:txBody>
       </p:sp>
@@ -8383,15 +7895,7 @@
                   <a:schemeClr val="tx1"/>
                 </a:solidFill>
               </a:rPr>
-              <a:t> </a:t>
-            </a:r>
-            <a:r>
-              <a:rPr lang="en-US" altLang="ja-JP" dirty="0" smtClean="0">
-                <a:solidFill>
-                  <a:schemeClr val="tx1"/>
-                </a:solidFill>
-              </a:rPr>
-              <a:t>   ++  case </a:t>
+              <a:t>    ++  case </a:t>
             </a:r>
             <a:r>
               <a:rPr lang="en-US" altLang="ja-JP" dirty="0" err="1" smtClean="0">
@@ -8399,15 +7903,7 @@
                   <a:schemeClr val="tx1"/>
                 </a:solidFill>
               </a:rPr>
-              <a:t>l</a:t>
-            </a:r>
-            <a:r>
-              <a:rPr lang="en-US" altLang="ja-JP" dirty="0" err="1" smtClean="0">
-                <a:solidFill>
-                  <a:schemeClr val="tx1"/>
-                </a:solidFill>
-              </a:rPr>
-              <a:t>s</a:t>
+              <a:t>ls</a:t>
             </a:r>
             <a:r>
               <a:rPr lang="en-US" altLang="ja-JP" dirty="0" smtClean="0">
@@ -8425,33 +7921,17 @@
                   <a:schemeClr val="tx1"/>
                 </a:solidFill>
               </a:rPr>
-              <a:t> </a:t>
-            </a:r>
-            <a:r>
-              <a:rPr lang="en-US" altLang="ja-JP" dirty="0" smtClean="0">
-                <a:solidFill>
-                  <a:schemeClr val="tx1"/>
-                </a:solidFill>
-              </a:rPr>
-              <a:t>                         [a] -&gt; “a singleton list.”</a:t>
-            </a:r>
-          </a:p>
-          <a:p>
-            <a:r>
-              <a:rPr lang="en-US" altLang="ja-JP" dirty="0" smtClean="0">
-                <a:solidFill>
-                  <a:schemeClr val="tx1"/>
-                </a:solidFill>
-              </a:rPr>
-              <a:t> </a:t>
-            </a:r>
-            <a:r>
-              <a:rPr lang="en-US" altLang="ja-JP" dirty="0" smtClean="0">
-                <a:solidFill>
-                  <a:schemeClr val="tx1"/>
-                </a:solidFill>
-              </a:rPr>
-              <a:t>                         </a:t>
+              <a:t>                          [a] -&gt; “a singleton list.”</a:t>
+            </a:r>
+          </a:p>
+          <a:p>
+            <a:r>
+              <a:rPr lang="en-US" altLang="ja-JP" dirty="0" smtClean="0">
+                <a:solidFill>
+                  <a:schemeClr val="tx1"/>
+                </a:solidFill>
+              </a:rPr>
+              <a:t>                          </a:t>
             </a:r>
             <a:r>
               <a:rPr lang="en-US" altLang="ja-JP" dirty="0" err="1" smtClean="0">
@@ -8701,6 +8181,12 @@
               <a:rPr lang="en-US" altLang="ja-JP" dirty="0" smtClean="0"/>
               <a:t>!</a:t>
             </a:r>
+          </a:p>
+          <a:p>
+            <a:r>
+              <a:rPr kumimoji="1" lang="ja-JP" altLang="en-US" dirty="0" smtClean="0"/>
+              <a:t>練習問題</a:t>
+            </a:r>
             <a:endParaRPr kumimoji="1" lang="ja-JP" altLang="en-US" dirty="0"/>
           </a:p>
         </p:txBody>
@@ -8770,11 +8256,66 @@
           <a:p>
             <a:r>
               <a:rPr lang="ja-JP" altLang="en-US" dirty="0" smtClean="0"/>
-              <a:t>次回</a:t>
+              <a:t>次回をお楽しみに！</a:t>
             </a:r>
             <a:r>
               <a:rPr lang="ja-JP" altLang="en-US" dirty="0" smtClean="0"/>
-              <a:t>をお楽しみに！！</a:t>
+              <a:t>！</a:t>
+            </a:r>
+            <a:endParaRPr lang="en-US" altLang="ja-JP" dirty="0" smtClean="0"/>
+          </a:p>
+          <a:p>
+            <a:r>
+              <a:rPr lang="ja-JP" altLang="en-US" dirty="0" smtClean="0"/>
+              <a:t>第</a:t>
+            </a:r>
+            <a:r>
+              <a:rPr lang="en-US" altLang="ja-JP" dirty="0" smtClean="0"/>
+              <a:t>3</a:t>
+            </a:r>
+            <a:r>
+              <a:rPr lang="ja-JP" altLang="en-US" dirty="0" smtClean="0"/>
+              <a:t>回</a:t>
+            </a:r>
+            <a:r>
+              <a:rPr kumimoji="1" lang="ja-JP" altLang="en-US" dirty="0" smtClean="0"/>
+              <a:t>は </a:t>
+            </a:r>
+            <a:r>
+              <a:rPr kumimoji="1" lang="en-US" altLang="ja-JP" dirty="0" smtClean="0"/>
+              <a:t>12</a:t>
+            </a:r>
+            <a:r>
+              <a:rPr kumimoji="1" lang="ja-JP" altLang="en-US" dirty="0" smtClean="0"/>
+              <a:t>月</a:t>
+            </a:r>
+            <a:r>
+              <a:rPr kumimoji="1" lang="en-US" altLang="ja-JP" dirty="0" smtClean="0"/>
+              <a:t>5</a:t>
+            </a:r>
+            <a:r>
+              <a:rPr kumimoji="1" lang="ja-JP" altLang="en-US" dirty="0" smtClean="0"/>
+              <a:t>日 </a:t>
+            </a:r>
+            <a:r>
+              <a:rPr kumimoji="1" lang="en-US" altLang="ja-JP" dirty="0" smtClean="0"/>
+              <a:t>17:00</a:t>
+            </a:r>
+            <a:r>
+              <a:rPr kumimoji="1" lang="ja-JP" altLang="en-US" dirty="0" smtClean="0"/>
+              <a:t>～</a:t>
+            </a:r>
+            <a:r>
+              <a:rPr kumimoji="1" lang="en-US" altLang="ja-JP" dirty="0" smtClean="0"/>
+              <a:t>18:00 </a:t>
+            </a:r>
+            <a:r>
+              <a:rPr kumimoji="1" lang="ja-JP" altLang="en-US" dirty="0" err="1" smtClean="0"/>
+              <a:t>に開</a:t>
+            </a:r>
+            <a:r>
+              <a:rPr kumimoji="1" lang="ja-JP" altLang="en-US" dirty="0" smtClean="0"/>
+              <a:t>催します。</a:t>
             </a:r>
             <a:endParaRPr kumimoji="1" lang="ja-JP" altLang="en-US" dirty="0"/>
           </a:p>
@@ -8798,6 +8339,275 @@
             <a:r>
               <a:rPr kumimoji="1" lang="en-US" altLang="ja-JP" dirty="0" smtClean="0"/>
               <a:t>Sorry….</a:t>
+            </a:r>
+            <a:endParaRPr kumimoji="1" lang="ja-JP" altLang="en-US" dirty="0"/>
+          </a:p>
+        </p:txBody>
+      </p:sp>
+    </p:spTree>
+  </p:cSld>
+  <p:clrMapOvr>
+    <a:masterClrMapping/>
+  </p:clrMapOvr>
+</p:sld>
+</file>
+
+<file path=ppt/slides/slide21.xml><?xml version="1.0" encoding="utf-8"?>
+<p:sld xmlns:a="http://schemas.openxmlformats.org/drawingml/2006/main" xmlns:r="http://schemas.openxmlformats.org/officeDocument/2006/relationships" xmlns:p="http://schemas.openxmlformats.org/presentationml/2006/main">
+  <p:cSld>
+    <p:spTree>
+      <p:nvGrpSpPr>
+        <p:cNvPr id="1" name=""/>
+        <p:cNvGrpSpPr/>
+        <p:nvPr/>
+      </p:nvGrpSpPr>
+      <p:grpSpPr>
+        <a:xfrm>
+          <a:off x="0" y="0"/>
+          <a:ext cx="0" cy="0"/>
+          <a:chOff x="0" y="0"/>
+          <a:chExt cx="0" cy="0"/>
+        </a:xfrm>
+      </p:grpSpPr>
+      <p:sp>
+        <p:nvSpPr>
+          <p:cNvPr id="4" name="タイトル 3"/>
+          <p:cNvSpPr>
+            <a:spLocks noGrp="1"/>
+          </p:cNvSpPr>
+          <p:nvPr>
+            <p:ph type="title"/>
+          </p:nvPr>
+        </p:nvSpPr>
+        <p:spPr/>
+        <p:txBody>
+          <a:bodyPr/>
+          <a:lstStyle/>
+          <a:p>
+            <a:r>
+              <a:rPr lang="ja-JP" altLang="en-US" dirty="0" smtClean="0"/>
+              <a:t>練習問題</a:t>
+            </a:r>
+            <a:endParaRPr kumimoji="1" lang="ja-JP" altLang="en-US" dirty="0"/>
+          </a:p>
+        </p:txBody>
+      </p:sp>
+      <p:sp>
+        <p:nvSpPr>
+          <p:cNvPr id="5" name="テキスト プレースホルダ 4"/>
+          <p:cNvSpPr>
+            <a:spLocks noGrp="1"/>
+          </p:cNvSpPr>
+          <p:nvPr>
+            <p:ph type="body" idx="1"/>
+          </p:nvPr>
+        </p:nvSpPr>
+        <p:spPr/>
+        <p:txBody>
+          <a:bodyPr/>
+          <a:lstStyle/>
+          <a:p>
+            <a:r>
+              <a:rPr lang="ja-JP" altLang="en-US" dirty="0" smtClean="0"/>
+              <a:t>練習問題①～②</a:t>
+            </a:r>
+            <a:r>
+              <a:rPr lang="en-US" altLang="ja-JP" dirty="0" smtClean="0"/>
+              <a:t/>
+            </a:r>
+            <a:br>
+              <a:rPr lang="en-US" altLang="ja-JP" dirty="0" smtClean="0"/>
+            </a:br>
+            <a:r>
+              <a:rPr lang="ja-JP" altLang="en-US" dirty="0" smtClean="0"/>
+              <a:t>次回（</a:t>
+            </a:r>
+            <a:r>
+              <a:rPr lang="en-US" altLang="ja-JP" dirty="0" smtClean="0"/>
+              <a:t>12/5</a:t>
+            </a:r>
+            <a:r>
+              <a:rPr lang="ja-JP" altLang="en-US" dirty="0" smtClean="0"/>
+              <a:t>）〆切</a:t>
+            </a:r>
+            <a:endParaRPr kumimoji="1" lang="ja-JP" altLang="en-US" dirty="0"/>
+          </a:p>
+        </p:txBody>
+      </p:sp>
+    </p:spTree>
+  </p:cSld>
+  <p:clrMapOvr>
+    <a:masterClrMapping/>
+  </p:clrMapOvr>
+</p:sld>
+</file>
+
+<file path=ppt/slides/slide22.xml><?xml version="1.0" encoding="utf-8"?>
+<p:sld xmlns:a="http://schemas.openxmlformats.org/drawingml/2006/main" xmlns:r="http://schemas.openxmlformats.org/officeDocument/2006/relationships" xmlns:p="http://schemas.openxmlformats.org/presentationml/2006/main">
+  <p:cSld>
+    <p:spTree>
+      <p:nvGrpSpPr>
+        <p:cNvPr id="1" name=""/>
+        <p:cNvGrpSpPr/>
+        <p:nvPr/>
+      </p:nvGrpSpPr>
+      <p:grpSpPr>
+        <a:xfrm>
+          <a:off x="0" y="0"/>
+          <a:ext cx="0" cy="0"/>
+          <a:chOff x="0" y="0"/>
+          <a:chExt cx="0" cy="0"/>
+        </a:xfrm>
+      </p:grpSpPr>
+      <p:sp>
+        <p:nvSpPr>
+          <p:cNvPr id="5" name="コンテンツ プレースホルダ 4"/>
+          <p:cNvSpPr>
+            <a:spLocks noGrp="1"/>
+          </p:cNvSpPr>
+          <p:nvPr>
+            <p:ph idx="1"/>
+          </p:nvPr>
+        </p:nvSpPr>
+        <p:spPr/>
+        <p:txBody>
+          <a:bodyPr/>
+          <a:lstStyle/>
+          <a:p>
+            <a:r>
+              <a:rPr kumimoji="1" lang="ja-JP" altLang="en-US" dirty="0" smtClean="0"/>
+              <a:t>パターンマッチを使って </a:t>
+            </a:r>
+            <a:r>
+              <a:rPr kumimoji="1" lang="en-US" altLang="ja-JP" dirty="0" smtClean="0"/>
+              <a:t>head’ </a:t>
+            </a:r>
+            <a:r>
+              <a:rPr kumimoji="1" lang="ja-JP" altLang="en-US" dirty="0" smtClean="0"/>
+              <a:t>を実装してみてください。</a:t>
+            </a:r>
+            <a:endParaRPr kumimoji="1" lang="ja-JP" altLang="en-US" dirty="0"/>
+          </a:p>
+        </p:txBody>
+      </p:sp>
+      <p:sp>
+        <p:nvSpPr>
+          <p:cNvPr id="4" name="タイトル 3"/>
+          <p:cNvSpPr>
+            <a:spLocks noGrp="1"/>
+          </p:cNvSpPr>
+          <p:nvPr>
+            <p:ph type="title"/>
+          </p:nvPr>
+        </p:nvSpPr>
+        <p:spPr/>
+        <p:txBody>
+          <a:bodyPr/>
+          <a:lstStyle/>
+          <a:p>
+            <a:r>
+              <a:rPr lang="ja-JP" altLang="en-US" dirty="0" smtClean="0"/>
+              <a:t>練習</a:t>
+            </a:r>
+            <a:r>
+              <a:rPr lang="ja-JP" altLang="en-US" dirty="0" smtClean="0"/>
+              <a:t>問題①</a:t>
+            </a:r>
+            <a:endParaRPr kumimoji="1" lang="ja-JP" altLang="en-US" dirty="0"/>
+          </a:p>
+        </p:txBody>
+      </p:sp>
+    </p:spTree>
+  </p:cSld>
+  <p:clrMapOvr>
+    <a:masterClrMapping/>
+  </p:clrMapOvr>
+</p:sld>
+</file>
+
+<file path=ppt/slides/slide23.xml><?xml version="1.0" encoding="utf-8"?>
+<p:sld xmlns:a="http://schemas.openxmlformats.org/drawingml/2006/main" xmlns:r="http://schemas.openxmlformats.org/officeDocument/2006/relationships" xmlns:p="http://schemas.openxmlformats.org/presentationml/2006/main">
+  <p:cSld>
+    <p:spTree>
+      <p:nvGrpSpPr>
+        <p:cNvPr id="1" name=""/>
+        <p:cNvGrpSpPr/>
+        <p:nvPr/>
+      </p:nvGrpSpPr>
+      <p:grpSpPr>
+        <a:xfrm>
+          <a:off x="0" y="0"/>
+          <a:ext cx="0" cy="0"/>
+          <a:chOff x="0" y="0"/>
+          <a:chExt cx="0" cy="0"/>
+        </a:xfrm>
+      </p:grpSpPr>
+      <p:sp>
+        <p:nvSpPr>
+          <p:cNvPr id="2" name="コンテンツ プレースホルダ 1"/>
+          <p:cNvSpPr>
+            <a:spLocks noGrp="1"/>
+          </p:cNvSpPr>
+          <p:nvPr>
+            <p:ph idx="1"/>
+          </p:nvPr>
+        </p:nvSpPr>
+        <p:spPr/>
+        <p:txBody>
+          <a:bodyPr/>
+          <a:lstStyle/>
+          <a:p>
+            <a:r>
+              <a:rPr kumimoji="1" lang="ja-JP" altLang="en-US" dirty="0" smtClean="0"/>
+              <a:t>うるう年判定プログラムを作成してください。</a:t>
+            </a:r>
+            <a:r>
+              <a:rPr kumimoji="1" lang="en-US" altLang="ja-JP" dirty="0" smtClean="0"/>
+              <a:t/>
+            </a:r>
+            <a:br>
+              <a:rPr kumimoji="1" lang="en-US" altLang="ja-JP" dirty="0" smtClean="0"/>
+            </a:br>
+            <a:r>
+              <a:rPr kumimoji="1" lang="ja-JP" altLang="en-US" dirty="0" smtClean="0"/>
+              <a:t>型シグネチャを宣言し、年数を引数ととるようなプログラムとしてください。</a:t>
+            </a:r>
+            <a:endParaRPr lang="en-US" altLang="ja-JP" dirty="0" smtClean="0"/>
+          </a:p>
+          <a:p>
+            <a:endParaRPr kumimoji="1" lang="en-US" altLang="ja-JP" dirty="0" smtClean="0"/>
+          </a:p>
+          <a:p>
+            <a:r>
+              <a:rPr lang="en-US" altLang="ja-JP" dirty="0" smtClean="0"/>
+              <a:t>Ruby</a:t>
+            </a:r>
+            <a:r>
+              <a:rPr lang="ja-JP" altLang="en-US" dirty="0" smtClean="0"/>
+              <a:t>版のうるう年判定プログラムもさらしてください。</a:t>
+            </a:r>
+            <a:endParaRPr kumimoji="1" lang="ja-JP" altLang="en-US" dirty="0"/>
+          </a:p>
+        </p:txBody>
+      </p:sp>
+      <p:sp>
+        <p:nvSpPr>
+          <p:cNvPr id="3" name="タイトル 2"/>
+          <p:cNvSpPr>
+            <a:spLocks noGrp="1"/>
+          </p:cNvSpPr>
+          <p:nvPr>
+            <p:ph type="title"/>
+          </p:nvPr>
+        </p:nvSpPr>
+        <p:spPr/>
+        <p:txBody>
+          <a:bodyPr/>
+          <a:lstStyle/>
+          <a:p>
+            <a:r>
+              <a:rPr kumimoji="1" lang="ja-JP" altLang="en-US" dirty="0" smtClean="0"/>
+              <a:t>練習問題②</a:t>
             </a:r>
             <a:endParaRPr kumimoji="1" lang="ja-JP" altLang="en-US" dirty="0"/>
           </a:p>
@@ -9095,19 +8905,11 @@
           <a:p>
             <a:r>
               <a:rPr lang="en-US" altLang="ja-JP" dirty="0" smtClean="0"/>
-              <a:t>c</a:t>
-            </a:r>
-            <a:r>
-              <a:rPr lang="en-US" altLang="ja-JP" dirty="0" smtClean="0"/>
-              <a:t>ycle:</a:t>
+              <a:t>cycle:</a:t>
             </a:r>
             <a:r>
               <a:rPr lang="ja-JP" altLang="en-US" dirty="0" smtClean="0"/>
-              <a:t>リスト</a:t>
-            </a:r>
-            <a:r>
-              <a:rPr lang="ja-JP" altLang="en-US" dirty="0" smtClean="0"/>
-              <a:t>を受け取り、その要素を無限に繰り返し、無限リストを生成する。 </a:t>
+              <a:t>リストを受け取り、その要素を無限に繰り返し、無限リストを生成する。 </a:t>
             </a:r>
             <a:r>
               <a:rPr lang="en-US" altLang="ja-JP" dirty="0" smtClean="0"/>
@@ -9125,26 +8927,14 @@
             </a:br>
             <a:r>
               <a:rPr lang="en-US" altLang="ja-JP" dirty="0" smtClean="0"/>
-              <a:t>take </a:t>
-            </a:r>
-            <a:r>
-              <a:rPr lang="en-US" altLang="ja-JP" dirty="0" smtClean="0"/>
-              <a:t>10 (cycle [1,2,3,4,5</a:t>
-            </a:r>
-            <a:r>
-              <a:rPr lang="en-US" altLang="ja-JP" dirty="0" smtClean="0"/>
-              <a:t>])</a:t>
+              <a:t>take 10 (cycle [1,2,3,4,5])</a:t>
             </a:r>
             <a:br>
               <a:rPr lang="en-US" altLang="ja-JP" dirty="0" smtClean="0"/>
             </a:br>
             <a:r>
               <a:rPr lang="en-US" altLang="ja-JP" dirty="0" smtClean="0"/>
-              <a:t>take </a:t>
-            </a:r>
-            <a:r>
-              <a:rPr lang="en-US" altLang="ja-JP" dirty="0" smtClean="0"/>
-              <a:t>15 (cycle "</a:t>
+              <a:t>take 15 (cycle "</a:t>
             </a:r>
             <a:r>
               <a:rPr lang="en-US" altLang="ja-JP" dirty="0" err="1" smtClean="0"/>
@@ -9152,21 +8942,13 @@
             </a:r>
             <a:r>
               <a:rPr lang="en-US" altLang="ja-JP" dirty="0" smtClean="0"/>
-              <a:t> </a:t>
-            </a:r>
-            <a:r>
-              <a:rPr lang="en-US" altLang="ja-JP" dirty="0" smtClean="0"/>
-              <a:t>")</a:t>
-            </a:r>
-          </a:p>
-          <a:p>
-            <a:r>
-              <a:rPr lang="en-US" altLang="ja-JP" dirty="0" smtClean="0"/>
-              <a:t>r</a:t>
-            </a:r>
-            <a:r>
-              <a:rPr lang="en-US" altLang="ja-JP" dirty="0" smtClean="0"/>
-              <a:t>epeat:1</a:t>
+              <a:t> ")</a:t>
+            </a:r>
+          </a:p>
+          <a:p>
+            <a:r>
+              <a:rPr lang="en-US" altLang="ja-JP" dirty="0" smtClean="0"/>
+              <a:t>repeat:1</a:t>
             </a:r>
             <a:r>
               <a:rPr lang="ja-JP" altLang="en-US" dirty="0" err="1" smtClean="0"/>
@@ -9174,26 +8956,18 @@
             </a:r>
             <a:r>
               <a:rPr lang="ja-JP" altLang="en-US" dirty="0" smtClean="0"/>
-              <a:t>要素を受け取り、その要素のみが無限に繰り返される無限リストを生成する</a:t>
-            </a:r>
+              <a:t>要素を受け取り、その要素のみが無限に繰り返される無限リストを生成する。</a:t>
+            </a:r>
+            <a:r>
+              <a:rPr lang="en-US" altLang="ja-JP" dirty="0" smtClean="0"/>
+              <a:t/>
+            </a:r>
+            <a:br>
+              <a:rPr lang="en-US" altLang="ja-JP" dirty="0" smtClean="0"/>
+            </a:br>
             <a:r>
               <a:rPr lang="ja-JP" altLang="en-US" dirty="0" smtClean="0"/>
-              <a:t>。</a:t>
-            </a:r>
-            <a:r>
-              <a:rPr lang="en-US" altLang="ja-JP" dirty="0" smtClean="0"/>
-              <a:t/>
-            </a:r>
-            <a:br>
-              <a:rPr lang="en-US" altLang="ja-JP" dirty="0" smtClean="0"/>
-            </a:br>
-            <a:r>
-              <a:rPr lang="ja-JP" altLang="en-US" dirty="0" smtClean="0"/>
-              <a:t>要</a:t>
-            </a:r>
-            <a:r>
-              <a:rPr lang="ja-JP" altLang="en-US" dirty="0" smtClean="0"/>
-              <a:t>するに長さ</a:t>
+              <a:t>要するに長さ</a:t>
             </a:r>
             <a:r>
               <a:rPr lang="en-US" altLang="ja-JP" dirty="0" smtClean="0"/>
@@ -9245,11 +9019,7 @@
             </a:r>
             <a:r>
               <a:rPr lang="ja-JP" altLang="en-US" dirty="0" smtClean="0"/>
-              <a:t>単一の値からなるリストを作る。 リストの長さと、複製する要素を与える</a:t>
-            </a:r>
-            <a:r>
-              <a:rPr lang="ja-JP" altLang="en-US" dirty="0" smtClean="0"/>
-              <a:t>。</a:t>
+              <a:t>単一の値からなるリストを作る。 リストの長さと、複製する要素を与える。</a:t>
             </a:r>
             <a:r>
               <a:rPr lang="en-US" altLang="ja-JP" dirty="0" smtClean="0"/>
@@ -9260,26 +9030,14 @@
             </a:br>
             <a:r>
               <a:rPr lang="en-US" altLang="ja-JP" dirty="0" smtClean="0"/>
-              <a:t>replicate </a:t>
-            </a:r>
-            <a:r>
-              <a:rPr lang="en-US" altLang="ja-JP" dirty="0" smtClean="0"/>
-              <a:t>7 </a:t>
-            </a:r>
-            <a:r>
-              <a:rPr lang="en-US" altLang="ja-JP" dirty="0" smtClean="0"/>
-              <a:t>10</a:t>
+              <a:t>replicate 7 10</a:t>
             </a:r>
             <a:br>
               <a:rPr lang="en-US" altLang="ja-JP" dirty="0" smtClean="0"/>
             </a:br>
             <a:r>
               <a:rPr lang="en-US" altLang="ja-JP" dirty="0" smtClean="0"/>
-              <a:t>replicate</a:t>
-            </a:r>
-            <a:r>
-              <a:rPr lang="en-US" altLang="ja-JP" dirty="0" smtClean="0"/>
-              <a:t>' :: </a:t>
+              <a:t>replicate' :: </a:t>
             </a:r>
             <a:r>
               <a:rPr lang="en-US" altLang="ja-JP" dirty="0" err="1" smtClean="0"/>
@@ -9290,31 +9048,39 @@
               <a:t> -&gt; </a:t>
             </a:r>
             <a:r>
-              <a:rPr lang="en-US" altLang="ja-JP" dirty="0" err="1" smtClean="0"/>
-              <a:t>Int</a:t>
-            </a:r>
-            <a:r>
-              <a:rPr lang="en-US" altLang="ja-JP" dirty="0" smtClean="0"/>
-              <a:t> -&gt; [</a:t>
-            </a:r>
-            <a:r>
-              <a:rPr lang="en-US" altLang="ja-JP" dirty="0" err="1" smtClean="0"/>
-              <a:t>Int</a:t>
+              <a:rPr lang="en-US" altLang="ja-JP" dirty="0" smtClean="0"/>
+              <a:t>a</a:t>
+            </a:r>
+            <a:r>
+              <a:rPr lang="en-US" altLang="ja-JP" dirty="0" smtClean="0"/>
+              <a:t> </a:t>
+            </a:r>
+            <a:r>
+              <a:rPr lang="en-US" altLang="ja-JP" dirty="0" smtClean="0"/>
+              <a:t>-&gt; </a:t>
+            </a:r>
+            <a:r>
+              <a:rPr lang="en-US" altLang="ja-JP" dirty="0" smtClean="0"/>
+              <a:t>[</a:t>
+            </a:r>
+            <a:r>
+              <a:rPr lang="en-US" altLang="ja-JP" dirty="0" smtClean="0"/>
+              <a:t>a</a:t>
             </a:r>
             <a:r>
               <a:rPr lang="en-US" altLang="ja-JP" dirty="0" smtClean="0"/>
               <a:t>]</a:t>
             </a:r>
+            <a:r>
+              <a:rPr lang="en-US" altLang="ja-JP" dirty="0" smtClean="0"/>
+              <a:t/>
+            </a:r>
             <a:br>
               <a:rPr lang="en-US" altLang="ja-JP" dirty="0" smtClean="0"/>
             </a:br>
             <a:r>
               <a:rPr lang="en-US" altLang="ja-JP" dirty="0" smtClean="0"/>
-              <a:t>replicate</a:t>
-            </a:r>
-            <a:r>
-              <a:rPr lang="en-US" altLang="ja-JP" dirty="0" smtClean="0"/>
-              <a:t>' </a:t>
+              <a:t>replicate' </a:t>
             </a:r>
             <a:r>
               <a:rPr lang="en-US" altLang="ja-JP" dirty="0" err="1" smtClean="0"/>
@@ -9517,15 +9283,7 @@
                   <a:schemeClr val="tx1"/>
                 </a:solidFill>
               </a:rPr>
-              <a:t> </a:t>
-            </a:r>
-            <a:r>
-              <a:rPr lang="en-US" altLang="ja-JP" dirty="0" smtClean="0">
-                <a:solidFill>
-                  <a:schemeClr val="tx1"/>
-                </a:solidFill>
-              </a:rPr>
-              <a:t>:: </a:t>
+              <a:t> :: </a:t>
             </a:r>
             <a:r>
               <a:rPr lang="en-US" altLang="ja-JP" dirty="0" err="1" smtClean="0">
@@ -9569,23 +9327,7 @@
                   <a:schemeClr val="tx1"/>
                 </a:solidFill>
               </a:rPr>
-              <a:t>    | </a:t>
-            </a:r>
-            <a:r>
-              <a:rPr lang="en-US" altLang="ja-JP" dirty="0" smtClean="0">
-                <a:solidFill>
-                  <a:schemeClr val="tx1"/>
-                </a:solidFill>
-              </a:rPr>
-              <a:t>x `</a:t>
-            </a:r>
-            <a:r>
-              <a:rPr lang="en-US" altLang="ja-JP" dirty="0" smtClean="0">
-                <a:solidFill>
-                  <a:schemeClr val="tx1"/>
-                </a:solidFill>
-              </a:rPr>
-              <a:t>mod` 15 == 0 = "</a:t>
+              <a:t>    | x `mod` 15 == 0 = "</a:t>
             </a:r>
             <a:r>
               <a:rPr lang="en-US" altLang="ja-JP" dirty="0" err="1" smtClean="0">
@@ -9611,115 +9353,27 @@
                   <a:schemeClr val="tx1"/>
                 </a:solidFill>
               </a:rPr>
-              <a:t>    | </a:t>
-            </a:r>
-            <a:r>
-              <a:rPr lang="en-US" altLang="ja-JP" dirty="0" smtClean="0">
-                <a:solidFill>
-                  <a:schemeClr val="tx1"/>
-                </a:solidFill>
-              </a:rPr>
-              <a:t>x </a:t>
-            </a:r>
-            <a:r>
-              <a:rPr lang="en-US" altLang="ja-JP" dirty="0" smtClean="0">
-                <a:solidFill>
-                  <a:schemeClr val="tx1"/>
-                </a:solidFill>
-              </a:rPr>
-              <a:t>`mod` </a:t>
-            </a:r>
-            <a:r>
-              <a:rPr lang="en-US" altLang="ja-JP" dirty="0" smtClean="0">
-                <a:solidFill>
-                  <a:schemeClr val="tx1"/>
-                </a:solidFill>
-              </a:rPr>
-              <a:t> 5 </a:t>
-            </a:r>
-            <a:r>
-              <a:rPr lang="en-US" altLang="ja-JP" dirty="0" smtClean="0">
-                <a:solidFill>
-                  <a:schemeClr val="tx1"/>
-                </a:solidFill>
-              </a:rPr>
-              <a:t>== 0 = "Buzz"</a:t>
-            </a:r>
-          </a:p>
-          <a:p>
-            <a:r>
-              <a:rPr lang="en-US" altLang="ja-JP" dirty="0" smtClean="0">
-                <a:solidFill>
-                  <a:schemeClr val="tx1"/>
-                </a:solidFill>
-              </a:rPr>
-              <a:t>    | </a:t>
-            </a:r>
-            <a:r>
-              <a:rPr lang="en-US" altLang="ja-JP" dirty="0" smtClean="0">
-                <a:solidFill>
-                  <a:schemeClr val="tx1"/>
-                </a:solidFill>
-              </a:rPr>
-              <a:t>x </a:t>
-            </a:r>
-            <a:r>
-              <a:rPr lang="en-US" altLang="ja-JP" dirty="0" smtClean="0">
-                <a:solidFill>
-                  <a:schemeClr val="tx1"/>
-                </a:solidFill>
-              </a:rPr>
-              <a:t>`mod` </a:t>
-            </a:r>
-            <a:r>
-              <a:rPr lang="en-US" altLang="ja-JP" dirty="0" smtClean="0">
-                <a:solidFill>
-                  <a:schemeClr val="tx1"/>
-                </a:solidFill>
-              </a:rPr>
-              <a:t> 3 </a:t>
-            </a:r>
-            <a:r>
-              <a:rPr lang="en-US" altLang="ja-JP" dirty="0" smtClean="0">
-                <a:solidFill>
-                  <a:schemeClr val="tx1"/>
-                </a:solidFill>
-              </a:rPr>
-              <a:t>== 0 = "Fizz"</a:t>
-            </a:r>
-          </a:p>
-          <a:p>
-            <a:r>
-              <a:rPr lang="en-US" altLang="ja-JP" dirty="0" smtClean="0">
-                <a:solidFill>
-                  <a:schemeClr val="tx1"/>
-                </a:solidFill>
-              </a:rPr>
-              <a:t>    | </a:t>
-            </a:r>
-            <a:r>
-              <a:rPr lang="en-US" altLang="ja-JP" dirty="0" smtClean="0">
-                <a:solidFill>
-                  <a:schemeClr val="tx1"/>
-                </a:solidFill>
-              </a:rPr>
-              <a:t>otherwise </a:t>
-            </a:r>
-            <a:r>
-              <a:rPr lang="en-US" altLang="ja-JP" dirty="0" smtClean="0">
-                <a:solidFill>
-                  <a:schemeClr val="tx1"/>
-                </a:solidFill>
-              </a:rPr>
-              <a:t>= show </a:t>
-            </a:r>
-            <a:r>
-              <a:rPr lang="en-US" altLang="ja-JP" dirty="0" smtClean="0">
-                <a:solidFill>
-                  <a:schemeClr val="tx1"/>
-                </a:solidFill>
-              </a:rPr>
-              <a:t>x</a:t>
+              <a:t>    | x `mod`  5 == 0 = "Buzz"</a:t>
+            </a:r>
+          </a:p>
+          <a:p>
+            <a:r>
+              <a:rPr lang="en-US" altLang="ja-JP" dirty="0" smtClean="0">
+                <a:solidFill>
+                  <a:schemeClr val="tx1"/>
+                </a:solidFill>
+              </a:rPr>
+              <a:t>    | x `mod`  3 == 0 = "Fizz"</a:t>
+            </a:r>
+          </a:p>
+          <a:p>
+            <a:r>
+              <a:rPr lang="en-US" altLang="ja-JP" dirty="0" smtClean="0">
+                <a:solidFill>
+                  <a:schemeClr val="tx1"/>
+                </a:solidFill>
+              </a:rPr>
+              <a:t>    | otherwise = show x</a:t>
             </a:r>
           </a:p>
           <a:p>
@@ -9746,31 +9400,15 @@
                   <a:schemeClr val="tx1"/>
                 </a:solidFill>
               </a:rPr>
-              <a:t>g</a:t>
-            </a:r>
-            <a:r>
-              <a:rPr lang="en-US" altLang="ja-JP" dirty="0" err="1" smtClean="0">
-                <a:solidFill>
-                  <a:schemeClr val="tx1"/>
-                </a:solidFill>
-              </a:rPr>
-              <a:t>hci</a:t>
-            </a:r>
-            <a:r>
-              <a:rPr lang="en-US" altLang="ja-JP" dirty="0" smtClean="0">
-                <a:solidFill>
-                  <a:schemeClr val="tx1"/>
-                </a:solidFill>
-              </a:rPr>
-              <a:t>&gt;:</a:t>
-            </a:r>
-            <a:r>
-              <a:rPr lang="en-US" altLang="ja-JP" dirty="0" smtClean="0">
-                <a:solidFill>
-                  <a:schemeClr val="tx1"/>
-                </a:solidFill>
-              </a:rPr>
-              <a:t>l  </a:t>
+              <a:t>ghci</a:t>
+            </a:r>
+            <a:r>
+              <a:rPr lang="en-US" altLang="ja-JP" dirty="0" smtClean="0">
+                <a:solidFill>
+                  <a:schemeClr val="tx1"/>
+                </a:solidFill>
+              </a:rPr>
+              <a:t>&gt;:l  </a:t>
             </a:r>
             <a:r>
               <a:rPr lang="en-US" altLang="ja-JP" dirty="0" err="1" smtClean="0">
@@ -9879,6 +9517,14 @@
               <a:rPr lang="en-US" altLang="ja-JP" dirty="0" smtClean="0"/>
               <a:t>]</a:t>
             </a:r>
+            <a:br>
+              <a:rPr lang="en-US" altLang="ja-JP" dirty="0" smtClean="0"/>
+            </a:br>
+            <a:r>
+              <a:rPr lang="ja-JP" altLang="en-US" dirty="0" smtClean="0"/>
+              <a:t>実際に関数を書いてチェックしたところ、こっち。</a:t>
+            </a:r>
+            <a:endParaRPr lang="en-US" altLang="ja-JP" dirty="0" smtClean="0"/>
           </a:p>
           <a:p>
             <a:endParaRPr kumimoji="1" lang="en-US" altLang="ja-JP" dirty="0" smtClean="0"/>
@@ -9886,7 +9532,11 @@
           <a:p>
             <a:r>
               <a:rPr lang="ja-JP" altLang="en-US" dirty="0" smtClean="0"/>
-              <a:t>ちなみに。</a:t>
+              <a:t>ちなみ</a:t>
+            </a:r>
+            <a:r>
+              <a:rPr lang="ja-JP" altLang="en-US" dirty="0" smtClean="0"/>
+              <a:t>に、</a:t>
             </a:r>
             <a:r>
               <a:rPr lang="en-US" altLang="ja-JP" dirty="0" smtClean="0"/>
@@ -9905,40 +9555,28 @@
             </a:r>
             <a:r>
               <a:rPr lang="en-US" altLang="ja-JP" dirty="0" smtClean="0"/>
-              <a:t> :: </a:t>
-            </a:r>
-            <a:r>
-              <a:rPr lang="en-US" altLang="ja-JP" dirty="0" smtClean="0"/>
-              <a:t>String </a:t>
-            </a:r>
-            <a:r>
-              <a:rPr lang="en-US" altLang="ja-JP" dirty="0" smtClean="0"/>
-              <a:t>-&gt; </a:t>
-            </a:r>
-            <a:r>
-              <a:rPr lang="en-US" altLang="ja-JP" dirty="0" smtClean="0"/>
-              <a:t>String</a:t>
+              <a:t> :: String -&gt; String</a:t>
             </a:r>
             <a:br>
               <a:rPr lang="en-US" altLang="ja-JP" dirty="0" smtClean="0"/>
             </a:br>
             <a:r>
               <a:rPr lang="ja-JP" altLang="en-US" dirty="0" smtClean="0"/>
-              <a:t>ではどうなのでしょう？（</a:t>
+              <a:t>で</a:t>
+            </a:r>
+            <a:r>
+              <a:rPr lang="ja-JP" altLang="en-US" dirty="0" smtClean="0"/>
+              <a:t>も</a:t>
             </a:r>
             <a:r>
               <a:rPr lang="en-US" altLang="ja-JP" dirty="0" smtClean="0"/>
               <a:t>OK</a:t>
             </a:r>
             <a:r>
-              <a:rPr lang="ja-JP" altLang="en-US" dirty="0" err="1" smtClean="0"/>
-              <a:t>なのか</a:t>
-            </a:r>
-            <a:r>
               <a:rPr lang="ja-JP" altLang="en-US" dirty="0" smtClean="0"/>
-              <a:t>確認したかった）</a:t>
-            </a:r>
-            <a:endParaRPr kumimoji="1" lang="ja-JP" altLang="en-US" dirty="0"/>
+              <a:t>です。</a:t>
+            </a:r>
+            <a:endParaRPr lang="en-US" altLang="ja-JP" dirty="0" smtClean="0"/>
           </a:p>
         </p:txBody>
       </p:sp>
@@ -10329,15 +9967,7 @@
                   <a:schemeClr val="tx1"/>
                 </a:solidFill>
               </a:rPr>
-              <a:t> </a:t>
-            </a:r>
-            <a:r>
-              <a:rPr lang="en-US" altLang="ja-JP" dirty="0" smtClean="0">
-                <a:solidFill>
-                  <a:schemeClr val="tx1"/>
-                </a:solidFill>
-              </a:rPr>
-              <a:t>match {</a:t>
+              <a:t> match {</a:t>
             </a:r>
           </a:p>
           <a:p>
